--- a/slides-aulas/ambiente-exec-e-geracao-codigo.pptx
+++ b/slides-aulas/ambiente-exec-e-geracao-codigo.pptx
@@ -257,7 +257,7 @@
           <a:p>
             <a:fld id="{7A07F658-AE08-4AEE-A57F-CB2B7F06D381}" type="datetimeFigureOut">
               <a:rPr lang="en-US" smtClean="0"/>
-              <a:t>10-Nov-16</a:t>
+              <a:t>19-Jun-17</a:t>
             </a:fld>
             <a:endParaRPr lang="en-US"/>
           </a:p>
@@ -1329,7 +1329,7 @@
           <a:p>
             <a:fld id="{9965D083-53B3-4835-AC18-05B6039641BC}" type="datetimeFigureOut">
               <a:rPr lang="en-US" smtClean="0"/>
-              <a:t>10-Nov-16</a:t>
+              <a:t>19-Jun-17</a:t>
             </a:fld>
             <a:endParaRPr lang="en-US"/>
           </a:p>
@@ -1499,7 +1499,7 @@
           <a:p>
             <a:fld id="{9965D083-53B3-4835-AC18-05B6039641BC}" type="datetimeFigureOut">
               <a:rPr lang="en-US" smtClean="0"/>
-              <a:t>10-Nov-16</a:t>
+              <a:t>19-Jun-17</a:t>
             </a:fld>
             <a:endParaRPr lang="en-US"/>
           </a:p>
@@ -1679,7 +1679,7 @@
           <a:p>
             <a:fld id="{9965D083-53B3-4835-AC18-05B6039641BC}" type="datetimeFigureOut">
               <a:rPr lang="en-US" smtClean="0"/>
-              <a:t>10-Nov-16</a:t>
+              <a:t>19-Jun-17</a:t>
             </a:fld>
             <a:endParaRPr lang="en-US"/>
           </a:p>
@@ -2175,7 +2175,7 @@
           <a:p>
             <a:fld id="{9965D083-53B3-4835-AC18-05B6039641BC}" type="datetimeFigureOut">
               <a:rPr lang="en-US" smtClean="0"/>
-              <a:t>10-Nov-16</a:t>
+              <a:t>19-Jun-17</a:t>
             </a:fld>
             <a:endParaRPr lang="en-US"/>
           </a:p>
@@ -2421,7 +2421,7 @@
           <a:p>
             <a:fld id="{9965D083-53B3-4835-AC18-05B6039641BC}" type="datetimeFigureOut">
               <a:rPr lang="en-US" smtClean="0"/>
-              <a:t>10-Nov-16</a:t>
+              <a:t>19-Jun-17</a:t>
             </a:fld>
             <a:endParaRPr lang="en-US"/>
           </a:p>
@@ -2709,7 +2709,7 @@
           <a:p>
             <a:fld id="{9965D083-53B3-4835-AC18-05B6039641BC}" type="datetimeFigureOut">
               <a:rPr lang="en-US" smtClean="0"/>
-              <a:t>10-Nov-16</a:t>
+              <a:t>19-Jun-17</a:t>
             </a:fld>
             <a:endParaRPr lang="en-US"/>
           </a:p>
@@ -3131,7 +3131,7 @@
           <a:p>
             <a:fld id="{9965D083-53B3-4835-AC18-05B6039641BC}" type="datetimeFigureOut">
               <a:rPr lang="en-US" smtClean="0"/>
-              <a:t>10-Nov-16</a:t>
+              <a:t>19-Jun-17</a:t>
             </a:fld>
             <a:endParaRPr lang="en-US"/>
           </a:p>
@@ -3249,7 +3249,7 @@
           <a:p>
             <a:fld id="{9965D083-53B3-4835-AC18-05B6039641BC}" type="datetimeFigureOut">
               <a:rPr lang="en-US" smtClean="0"/>
-              <a:t>10-Nov-16</a:t>
+              <a:t>19-Jun-17</a:t>
             </a:fld>
             <a:endParaRPr lang="en-US"/>
           </a:p>
@@ -3344,7 +3344,7 @@
           <a:p>
             <a:fld id="{9965D083-53B3-4835-AC18-05B6039641BC}" type="datetimeFigureOut">
               <a:rPr lang="en-US" smtClean="0"/>
-              <a:t>10-Nov-16</a:t>
+              <a:t>19-Jun-17</a:t>
             </a:fld>
             <a:endParaRPr lang="en-US"/>
           </a:p>
@@ -3621,7 +3621,7 @@
           <a:p>
             <a:fld id="{9965D083-53B3-4835-AC18-05B6039641BC}" type="datetimeFigureOut">
               <a:rPr lang="en-US" smtClean="0"/>
-              <a:t>10-Nov-16</a:t>
+              <a:t>19-Jun-17</a:t>
             </a:fld>
             <a:endParaRPr lang="en-US"/>
           </a:p>
@@ -3874,7 +3874,7 @@
           <a:p>
             <a:fld id="{9965D083-53B3-4835-AC18-05B6039641BC}" type="datetimeFigureOut">
               <a:rPr lang="en-US" smtClean="0"/>
-              <a:t>10-Nov-16</a:t>
+              <a:t>19-Jun-17</a:t>
             </a:fld>
             <a:endParaRPr lang="en-US"/>
           </a:p>
@@ -4087,7 +4087,7 @@
           <a:p>
             <a:fld id="{9965D083-53B3-4835-AC18-05B6039641BC}" type="datetimeFigureOut">
               <a:rPr lang="en-US" smtClean="0"/>
-              <a:t>10-Nov-16</a:t>
+              <a:t>19-Jun-17</a:t>
             </a:fld>
             <a:endParaRPr lang="en-US"/>
           </a:p>
@@ -4600,11 +4600,7 @@
             <a:pPr lvl="2"/>
             <a:r>
               <a:rPr lang="pt-BR" dirty="0" smtClean="0"/>
-              <a:t>Criada pelo chamador da </a:t>
-            </a:r>
-            <a:r>
-              <a:rPr lang="pt-BR" dirty="0" smtClean="0"/>
-              <a:t>função</a:t>
+              <a:t>Criada pelo chamador da função</a:t>
             </a:r>
           </a:p>
           <a:p>
@@ -4628,7 +4624,6 @@
               <a:rPr lang="pt-BR" dirty="0" smtClean="0"/>
               <a:t>Função chamada retorna para aquele endereço</a:t>
             </a:r>
-            <a:endParaRPr lang="pt-BR" dirty="0" smtClean="0"/>
           </a:p>
           <a:p>
             <a:pPr lvl="1"/>
@@ -4748,7 +4743,7 @@
           </a:ln>
           <a:extLst>
             <a:ext uri="{C572A759-6A51-4108-AA02-DFA0A04FC94B}">
-              <ma14:wrappingTextBoxFlag xmlns:ma14="http://schemas.microsoft.com/office/mac/drawingml/2011/main" xmlns="" val="1"/>
+              <ma14:wrappingTextBoxFlag xmlns="" xmlns:ma14="http://schemas.microsoft.com/office/mac/drawingml/2011/main" val="1"/>
             </a:ext>
           </a:extLst>
         </p:spPr>
@@ -4948,7 +4943,7 @@
           </a:ln>
           <a:extLst>
             <a:ext uri="{C572A759-6A51-4108-AA02-DFA0A04FC94B}">
-              <ma14:wrappingTextBoxFlag xmlns:ma14="http://schemas.microsoft.com/office/mac/drawingml/2011/main" xmlns="" val="1"/>
+              <ma14:wrappingTextBoxFlag xmlns="" xmlns:ma14="http://schemas.microsoft.com/office/mac/drawingml/2011/main" val="1"/>
             </a:ext>
           </a:extLst>
         </p:spPr>
@@ -5097,7 +5092,7 @@
           </a:ln>
           <a:extLst>
             <a:ext uri="{C572A759-6A51-4108-AA02-DFA0A04FC94B}">
-              <ma14:wrappingTextBoxFlag xmlns:ma14="http://schemas.microsoft.com/office/mac/drawingml/2011/main" xmlns="" val="1"/>
+              <ma14:wrappingTextBoxFlag xmlns="" xmlns:ma14="http://schemas.microsoft.com/office/mac/drawingml/2011/main" val="1"/>
             </a:ext>
           </a:extLst>
         </p:spPr>
@@ -5246,7 +5241,7 @@
           </a:ln>
           <a:extLst>
             <a:ext uri="{C572A759-6A51-4108-AA02-DFA0A04FC94B}">
-              <ma14:wrappingTextBoxFlag xmlns:ma14="http://schemas.microsoft.com/office/mac/drawingml/2011/main" xmlns="" val="1"/>
+              <ma14:wrappingTextBoxFlag xmlns="" xmlns:ma14="http://schemas.microsoft.com/office/mac/drawingml/2011/main" val="1"/>
             </a:ext>
           </a:extLst>
         </p:spPr>
@@ -5395,7 +5390,7 @@
           </a:ln>
           <a:extLst>
             <a:ext uri="{C572A759-6A51-4108-AA02-DFA0A04FC94B}">
-              <ma14:wrappingTextBoxFlag xmlns:ma14="http://schemas.microsoft.com/office/mac/drawingml/2011/main" xmlns="" val="1"/>
+              <ma14:wrappingTextBoxFlag xmlns="" xmlns:ma14="http://schemas.microsoft.com/office/mac/drawingml/2011/main" val="1"/>
             </a:ext>
           </a:extLst>
         </p:spPr>
@@ -5544,7 +5539,7 @@
           </a:ln>
           <a:extLst>
             <a:ext uri="{C572A759-6A51-4108-AA02-DFA0A04FC94B}">
-              <ma14:wrappingTextBoxFlag xmlns:ma14="http://schemas.microsoft.com/office/mac/drawingml/2011/main" xmlns="" val="1"/>
+              <ma14:wrappingTextBoxFlag xmlns="" xmlns:ma14="http://schemas.microsoft.com/office/mac/drawingml/2011/main" val="1"/>
             </a:ext>
           </a:extLst>
         </p:spPr>
@@ -15005,6 +15000,13 @@
   <p:clrMapOvr>
     <a:masterClrMapping/>
   </p:clrMapOvr>
+  <p:timing>
+    <p:tnLst>
+      <p:par>
+        <p:cTn id="1" dur="indefinite" restart="never" nodeType="tmRoot"/>
+      </p:par>
+    </p:tnLst>
+  </p:timing>
 </p:sld>
 </file>
 
@@ -25022,8 +25024,9 @@
             </a:r>
             <a:r>
               <a:rPr lang="pt-BR" dirty="0" smtClean="0"/>
-              <a:t>=10, </a:t>
-            </a:r>
+              <a:t>=5, </a:t>
+            </a:r>
+            <a:endParaRPr lang="pt-BR" dirty="0" smtClean="0"/>
           </a:p>
           <a:p>
             <a:pPr algn="ctr"/>
@@ -25938,7 +25941,6 @@
               <a:rPr lang="en-US" dirty="0" smtClean="0"/>
               <a:t> interface com SO</a:t>
             </a:r>
-            <a:endParaRPr lang="en-US" dirty="0" smtClean="0"/>
           </a:p>
         </p:txBody>
       </p:sp>
@@ -26402,8 +26404,9 @@
             </a:r>
             <a:r>
               <a:rPr lang="pt-BR" dirty="0" smtClean="0"/>
-              <a:t>=10, </a:t>
-            </a:r>
+              <a:t>=5, </a:t>
+            </a:r>
+            <a:endParaRPr lang="pt-BR" dirty="0" smtClean="0"/>
           </a:p>
           <a:p>
             <a:pPr algn="ctr"/>
@@ -42909,27 +42912,13 @@
                 <a:latin typeface="Courier New" pitchFamily="49" charset="0"/>
                 <a:cs typeface="Courier New" pitchFamily="49" charset="0"/>
               </a:rPr>
-              <a:t> c = </a:t>
+              <a:t> c = new </a:t>
             </a:r>
             <a:r>
               <a:rPr lang="pt-BR" sz="1600" b="1" dirty="0" err="1" smtClean="0">
                 <a:latin typeface="Courier New" pitchFamily="49" charset="0"/>
                 <a:cs typeface="Courier New" pitchFamily="49" charset="0"/>
               </a:rPr>
-              <a:t>new</a:t>
-            </a:r>
-            <a:r>
-              <a:rPr lang="pt-BR" sz="1600" b="1" dirty="0" smtClean="0">
-                <a:latin typeface="Courier New" pitchFamily="49" charset="0"/>
-                <a:cs typeface="Courier New" pitchFamily="49" charset="0"/>
-              </a:rPr>
-              <a:t> </a:t>
-            </a:r>
-            <a:r>
-              <a:rPr lang="pt-BR" sz="1600" b="1" dirty="0" err="1" smtClean="0">
-                <a:latin typeface="Courier New" pitchFamily="49" charset="0"/>
-                <a:cs typeface="Courier New" pitchFamily="49" charset="0"/>
-              </a:rPr>
               <a:t>Circle</a:t>
             </a:r>
             <a:r>
@@ -42937,21 +42926,27 @@
                 <a:latin typeface="Courier New" pitchFamily="49" charset="0"/>
                 <a:cs typeface="Courier New" pitchFamily="49" charset="0"/>
               </a:rPr>
-              <a:t>(0,12,4); Box b = </a:t>
-            </a:r>
-            <a:r>
-              <a:rPr lang="pt-BR" sz="1600" b="1" dirty="0" err="1" smtClean="0">
-                <a:latin typeface="Courier New" pitchFamily="49" charset="0"/>
-                <a:cs typeface="Courier New" pitchFamily="49" charset="0"/>
-              </a:rPr>
-              <a:t>new</a:t>
-            </a:r>
-            <a:r>
-              <a:rPr lang="pt-BR" sz="1600" b="1" dirty="0" smtClean="0">
-                <a:latin typeface="Courier New" pitchFamily="49" charset="0"/>
-                <a:cs typeface="Courier New" pitchFamily="49" charset="0"/>
-              </a:rPr>
-              <a:t> Box(0,4,8,8);</a:t>
+              <a:t>(0,12,4); </a:t>
+            </a:r>
+            <a:endParaRPr lang="pt-BR" sz="1600" b="1" dirty="0" smtClean="0">
+              <a:latin typeface="Courier New" pitchFamily="49" charset="0"/>
+              <a:cs typeface="Courier New" pitchFamily="49" charset="0"/>
+            </a:endParaRPr>
+          </a:p>
+          <a:p>
+            <a:r>
+              <a:rPr lang="pt-BR" sz="1600" b="1" dirty="0" smtClean="0">
+                <a:latin typeface="Courier New" pitchFamily="49" charset="0"/>
+                <a:cs typeface="Courier New" pitchFamily="49" charset="0"/>
+              </a:rPr>
+              <a:t>Box </a:t>
+            </a:r>
+            <a:r>
+              <a:rPr lang="pt-BR" sz="1600" b="1" dirty="0" smtClean="0">
+                <a:latin typeface="Courier New" pitchFamily="49" charset="0"/>
+                <a:cs typeface="Courier New" pitchFamily="49" charset="0"/>
+              </a:rPr>
+              <a:t>b = new Box(0,4,8,8);</a:t>
             </a:r>
           </a:p>
         </p:txBody>
@@ -47295,7 +47290,6 @@
               <a:rPr lang="pt-BR" dirty="0" smtClean="0"/>
               <a:t>Exemplos: </a:t>
             </a:r>
-            <a:endParaRPr lang="pt-BR" dirty="0" smtClean="0"/>
           </a:p>
           <a:p>
             <a:pPr lvl="1"/>
@@ -49597,15 +49591,7 @@
           <a:p>
             <a:r>
               <a:rPr lang="pt-BR" dirty="0" smtClean="0"/>
-              <a:t>Exemplo: </a:t>
-            </a:r>
-            <a:r>
-              <a:rPr lang="pt-BR" dirty="0" smtClean="0"/>
-              <a:t>MSIL </a:t>
-            </a:r>
-            <a:r>
-              <a:rPr lang="pt-BR" dirty="0" smtClean="0"/>
-              <a:t>(1/3)</a:t>
+              <a:t>Exemplo: MSIL (1/3)</a:t>
             </a:r>
             <a:endParaRPr lang="pt-BR" dirty="0"/>
           </a:p>
@@ -50115,15 +50101,7 @@
           <a:p>
             <a:r>
               <a:rPr lang="pt-BR" dirty="0" smtClean="0"/>
-              <a:t>Exemplo: </a:t>
-            </a:r>
-            <a:r>
-              <a:rPr lang="pt-BR" dirty="0" smtClean="0"/>
-              <a:t>MSIL (2/3</a:t>
-            </a:r>
-            <a:r>
-              <a:rPr lang="pt-BR" dirty="0" smtClean="0"/>
-              <a:t>)</a:t>
+              <a:t>Exemplo: MSIL (2/3)</a:t>
             </a:r>
             <a:endParaRPr lang="pt-BR" dirty="0"/>
           </a:p>
@@ -50782,15 +50760,7 @@
           <a:p>
             <a:r>
               <a:rPr lang="pt-BR" dirty="0" smtClean="0"/>
-              <a:t>Exemplo: </a:t>
-            </a:r>
-            <a:r>
-              <a:rPr lang="pt-BR" dirty="0" smtClean="0"/>
-              <a:t>MSIL (3/3</a:t>
-            </a:r>
-            <a:r>
-              <a:rPr lang="pt-BR" dirty="0" smtClean="0"/>
-              <a:t>)</a:t>
+              <a:t>Exemplo: MSIL (3/3)</a:t>
             </a:r>
             <a:endParaRPr lang="pt-BR" dirty="0"/>
           </a:p>
@@ -51363,6 +51333,13 @@
   <p:clrMapOvr>
     <a:masterClrMapping/>
   </p:clrMapOvr>
+  <p:timing>
+    <p:tnLst>
+      <p:par>
+        <p:cTn id="1" dur="indefinite" restart="never" nodeType="tmRoot"/>
+      </p:par>
+    </p:tnLst>
+  </p:timing>
 </p:sld>
 </file>
 
@@ -52623,21 +52600,12 @@
               <a:rPr lang="pt-BR" dirty="0" smtClean="0"/>
               <a:t>Variáveis globais</a:t>
             </a:r>
-            <a:endParaRPr lang="pt-BR" dirty="0" smtClean="0"/>
           </a:p>
           <a:p>
             <a:pPr lvl="1"/>
             <a:r>
               <a:rPr lang="pt-BR" dirty="0" smtClean="0"/>
-              <a:t>Estrutura </a:t>
-            </a:r>
-            <a:r>
-              <a:rPr lang="pt-BR" dirty="0" smtClean="0"/>
-              <a:t>de </a:t>
-            </a:r>
-            <a:r>
-              <a:rPr lang="pt-BR" dirty="0" smtClean="0"/>
-              <a:t>dados</a:t>
+              <a:t>Estrutura de dados</a:t>
             </a:r>
           </a:p>
           <a:p>
@@ -52646,7 +52614,6 @@
               <a:rPr lang="pt-BR" dirty="0" smtClean="0"/>
               <a:t>Funções estáticas</a:t>
             </a:r>
-            <a:endParaRPr lang="pt-BR" dirty="0" smtClean="0"/>
           </a:p>
           <a:p>
             <a:endParaRPr lang="pt-BR" dirty="0"/>

--- a/slides-aulas/ambiente-exec-e-geracao-codigo.pptx
+++ b/slides-aulas/ambiente-exec-e-geracao-codigo.pptx
@@ -255,7 +255,7 @@
           <a:p>
             <a:fld id="{7A07F658-AE08-4AEE-A57F-CB2B7F06D381}" type="datetimeFigureOut">
               <a:rPr lang="en-US" smtClean="0"/>
-              <a:t>10/30/2018</a:t>
+              <a:t>11/13/2018</a:t>
             </a:fld>
             <a:endParaRPr lang="en-US"/>
           </a:p>
@@ -1327,7 +1327,7 @@
           <a:p>
             <a:fld id="{9965D083-53B3-4835-AC18-05B6039641BC}" type="datetimeFigureOut">
               <a:rPr lang="en-US" smtClean="0"/>
-              <a:t>10/30/2018</a:t>
+              <a:t>11/13/2018</a:t>
             </a:fld>
             <a:endParaRPr lang="en-US"/>
           </a:p>
@@ -1497,7 +1497,7 @@
           <a:p>
             <a:fld id="{9965D083-53B3-4835-AC18-05B6039641BC}" type="datetimeFigureOut">
               <a:rPr lang="en-US" smtClean="0"/>
-              <a:t>10/30/2018</a:t>
+              <a:t>11/13/2018</a:t>
             </a:fld>
             <a:endParaRPr lang="en-US"/>
           </a:p>
@@ -1677,7 +1677,7 @@
           <a:p>
             <a:fld id="{9965D083-53B3-4835-AC18-05B6039641BC}" type="datetimeFigureOut">
               <a:rPr lang="en-US" smtClean="0"/>
-              <a:t>10/30/2018</a:t>
+              <a:t>11/13/2018</a:t>
             </a:fld>
             <a:endParaRPr lang="en-US"/>
           </a:p>
@@ -2173,7 +2173,7 @@
           <a:p>
             <a:fld id="{9965D083-53B3-4835-AC18-05B6039641BC}" type="datetimeFigureOut">
               <a:rPr lang="en-US" smtClean="0"/>
-              <a:t>10/30/2018</a:t>
+              <a:t>11/13/2018</a:t>
             </a:fld>
             <a:endParaRPr lang="en-US"/>
           </a:p>
@@ -2419,7 +2419,7 @@
           <a:p>
             <a:fld id="{9965D083-53B3-4835-AC18-05B6039641BC}" type="datetimeFigureOut">
               <a:rPr lang="en-US" smtClean="0"/>
-              <a:t>10/30/2018</a:t>
+              <a:t>11/13/2018</a:t>
             </a:fld>
             <a:endParaRPr lang="en-US"/>
           </a:p>
@@ -2707,7 +2707,7 @@
           <a:p>
             <a:fld id="{9965D083-53B3-4835-AC18-05B6039641BC}" type="datetimeFigureOut">
               <a:rPr lang="en-US" smtClean="0"/>
-              <a:t>10/30/2018</a:t>
+              <a:t>11/13/2018</a:t>
             </a:fld>
             <a:endParaRPr lang="en-US"/>
           </a:p>
@@ -3129,7 +3129,7 @@
           <a:p>
             <a:fld id="{9965D083-53B3-4835-AC18-05B6039641BC}" type="datetimeFigureOut">
               <a:rPr lang="en-US" smtClean="0"/>
-              <a:t>10/30/2018</a:t>
+              <a:t>11/13/2018</a:t>
             </a:fld>
             <a:endParaRPr lang="en-US"/>
           </a:p>
@@ -3247,7 +3247,7 @@
           <a:p>
             <a:fld id="{9965D083-53B3-4835-AC18-05B6039641BC}" type="datetimeFigureOut">
               <a:rPr lang="en-US" smtClean="0"/>
-              <a:t>10/30/2018</a:t>
+              <a:t>11/13/2018</a:t>
             </a:fld>
             <a:endParaRPr lang="en-US"/>
           </a:p>
@@ -3342,7 +3342,7 @@
           <a:p>
             <a:fld id="{9965D083-53B3-4835-AC18-05B6039641BC}" type="datetimeFigureOut">
               <a:rPr lang="en-US" smtClean="0"/>
-              <a:t>10/30/2018</a:t>
+              <a:t>11/13/2018</a:t>
             </a:fld>
             <a:endParaRPr lang="en-US"/>
           </a:p>
@@ -3619,7 +3619,7 @@
           <a:p>
             <a:fld id="{9965D083-53B3-4835-AC18-05B6039641BC}" type="datetimeFigureOut">
               <a:rPr lang="en-US" smtClean="0"/>
-              <a:t>10/30/2018</a:t>
+              <a:t>11/13/2018</a:t>
             </a:fld>
             <a:endParaRPr lang="en-US"/>
           </a:p>
@@ -3872,7 +3872,7 @@
           <a:p>
             <a:fld id="{9965D083-53B3-4835-AC18-05B6039641BC}" type="datetimeFigureOut">
               <a:rPr lang="en-US" smtClean="0"/>
-              <a:t>10/30/2018</a:t>
+              <a:t>11/13/2018</a:t>
             </a:fld>
             <a:endParaRPr lang="en-US"/>
           </a:p>
@@ -4085,7 +4085,7 @@
           <a:p>
             <a:fld id="{9965D083-53B3-4835-AC18-05B6039641BC}" type="datetimeFigureOut">
               <a:rPr lang="en-US" smtClean="0"/>
-              <a:t>10/30/2018</a:t>
+              <a:t>11/13/2018</a:t>
             </a:fld>
             <a:endParaRPr lang="en-US"/>
           </a:p>
@@ -4614,7 +4614,7 @@
           </a:ln>
           <a:extLst>
             <a:ext uri="{C572A759-6A51-4108-AA02-DFA0A04FC94B}">
-              <ma14:wrappingTextBoxFlag xmlns:ma14="http://schemas.microsoft.com/office/mac/drawingml/2011/main" xmlns="" val="1"/>
+              <ma14:wrappingTextBoxFlag xmlns="" xmlns:ma14="http://schemas.microsoft.com/office/mac/drawingml/2011/main" val="1"/>
             </a:ext>
           </a:extLst>
         </p:spPr>
@@ -4763,7 +4763,7 @@
           </a:ln>
           <a:extLst>
             <a:ext uri="{C572A759-6A51-4108-AA02-DFA0A04FC94B}">
-              <ma14:wrappingTextBoxFlag xmlns:ma14="http://schemas.microsoft.com/office/mac/drawingml/2011/main" xmlns="" val="1"/>
+              <ma14:wrappingTextBoxFlag xmlns="" xmlns:ma14="http://schemas.microsoft.com/office/mac/drawingml/2011/main" val="1"/>
             </a:ext>
           </a:extLst>
         </p:spPr>
@@ -4912,7 +4912,7 @@
           </a:ln>
           <a:extLst>
             <a:ext uri="{C572A759-6A51-4108-AA02-DFA0A04FC94B}">
-              <ma14:wrappingTextBoxFlag xmlns:ma14="http://schemas.microsoft.com/office/mac/drawingml/2011/main" xmlns="" val="1"/>
+              <ma14:wrappingTextBoxFlag xmlns="" xmlns:ma14="http://schemas.microsoft.com/office/mac/drawingml/2011/main" val="1"/>
             </a:ext>
           </a:extLst>
         </p:spPr>
@@ -5061,7 +5061,7 @@
           </a:ln>
           <a:extLst>
             <a:ext uri="{C572A759-6A51-4108-AA02-DFA0A04FC94B}">
-              <ma14:wrappingTextBoxFlag xmlns:ma14="http://schemas.microsoft.com/office/mac/drawingml/2011/main" xmlns="" val="1"/>
+              <ma14:wrappingTextBoxFlag xmlns="" xmlns:ma14="http://schemas.microsoft.com/office/mac/drawingml/2011/main" val="1"/>
             </a:ext>
           </a:extLst>
         </p:spPr>
@@ -47162,13 +47162,14 @@
           <a:lstStyle/>
           <a:p>
             <a:r>
-              <a:rPr lang="pt-BR" dirty="0" err="1" smtClean="0"/>
-              <a:t>Assembler</a:t>
-            </a:r>
-            <a:r>
               <a:rPr lang="pt-BR" dirty="0" smtClean="0"/>
-              <a:t> é usado para isolar programador de detalhes de implementação</a:t>
-            </a:r>
+              <a:t>Assembler é usado para isolar programador de detalhes de </a:t>
+            </a:r>
+            <a:r>
+              <a:rPr lang="pt-BR" dirty="0" smtClean="0"/>
+              <a:t>implementação de arquitetura</a:t>
+            </a:r>
+            <a:endParaRPr lang="pt-BR" dirty="0" smtClean="0"/>
           </a:p>
           <a:p>
             <a:r>
@@ -47219,10 +47220,9 @@
               <a:t>Language</a:t>
             </a:r>
             <a:r>
-              <a:rPr lang="pt-BR" dirty="0"/>
+              <a:rPr lang="pt-BR" dirty="0" smtClean="0"/>
               <a:t>)</a:t>
             </a:r>
-            <a:endParaRPr lang="pt-BR" dirty="0" smtClean="0"/>
           </a:p>
           <a:p>
             <a:pPr lvl="2">
@@ -47316,11 +47316,7 @@
             <a:pPr lvl="1"/>
             <a:r>
               <a:rPr lang="pt-BR" dirty="0" smtClean="0"/>
-              <a:t>Variáveis </a:t>
-            </a:r>
-            <a:r>
-              <a:rPr lang="pt-BR" dirty="0" smtClean="0"/>
-              <a:t>globais</a:t>
+              <a:t>Variáveis globais</a:t>
             </a:r>
           </a:p>
           <a:p>
@@ -47334,11 +47330,7 @@
             <a:pPr lvl="1"/>
             <a:r>
               <a:rPr lang="pt-BR" dirty="0" smtClean="0"/>
-              <a:t>Funções </a:t>
-            </a:r>
-            <a:r>
-              <a:rPr lang="pt-BR" dirty="0" smtClean="0"/>
-              <a:t>estáticas</a:t>
+              <a:t>Funções estáticas</a:t>
             </a:r>
           </a:p>
           <a:p>
@@ -47346,7 +47338,6 @@
               <a:rPr lang="pt-BR" dirty="0" smtClean="0"/>
               <a:t>Tamanho da área estática determinado em tempo de compilação</a:t>
             </a:r>
-            <a:endParaRPr lang="pt-BR" dirty="0" smtClean="0"/>
           </a:p>
           <a:p>
             <a:endParaRPr lang="pt-BR" dirty="0"/>
@@ -47411,35 +47402,11 @@
             </a:r>
             <a:r>
               <a:rPr lang="en-US" dirty="0" smtClean="0"/>
-              <a:t> Jasmin</a:t>
-            </a:r>
-            <a:endParaRPr lang="en-US" dirty="0"/>
-          </a:p>
-        </p:txBody>
-      </p:sp>
-      <p:sp>
-        <p:nvSpPr>
-          <p:cNvPr id="3" name="Espaço Reservado para Conteúdo 2"/>
-          <p:cNvSpPr>
-            <a:spLocks noGrp="1"/>
-          </p:cNvSpPr>
-          <p:nvPr>
-            <p:ph idx="1"/>
-          </p:nvPr>
-        </p:nvSpPr>
-        <p:spPr>
-          <a:xfrm>
-            <a:off x="457200" y="1600201"/>
-            <a:ext cx="8229600" cy="762000"/>
-          </a:xfrm>
-        </p:spPr>
-        <p:txBody>
-          <a:bodyPr/>
-          <a:lstStyle/>
-          <a:p>
+              <a:t> </a:t>
+            </a:r>
             <a:r>
               <a:rPr lang="en-US" dirty="0" smtClean="0"/>
-              <a:t>Assembler para JVMs</a:t>
+              <a:t>Jasmin (para Java)</a:t>
             </a:r>
             <a:endParaRPr lang="en-US" dirty="0"/>
           </a:p>
@@ -47455,7 +47422,7 @@
         </p:nvSpPr>
         <p:spPr bwMode="auto">
           <a:xfrm>
-            <a:off x="457200" y="2286000"/>
+            <a:off x="457200" y="2057400"/>
             <a:ext cx="8077200" cy="4278094"/>
           </a:xfrm>
           <a:prstGeom prst="rect">
@@ -49540,6 +49507,58 @@
               <a:latin typeface="Arial" pitchFamily="34" charset="0"/>
               <a:cs typeface="Arial" pitchFamily="34" charset="0"/>
             </a:endParaRPr>
+          </a:p>
+        </p:txBody>
+      </p:sp>
+      <p:sp>
+        <p:nvSpPr>
+          <p:cNvPr id="6" name="TextBox 51"/>
+          <p:cNvSpPr txBox="1"/>
+          <p:nvPr/>
+        </p:nvSpPr>
+        <p:spPr>
+          <a:xfrm>
+            <a:off x="3810000" y="1371600"/>
+            <a:ext cx="5224482" cy="830997"/>
+          </a:xfrm>
+          <a:prstGeom prst="rect">
+            <a:avLst/>
+          </a:prstGeom>
+        </p:spPr>
+        <p:style>
+          <a:lnRef idx="2">
+            <a:schemeClr val="dk1"/>
+          </a:lnRef>
+          <a:fillRef idx="1">
+            <a:schemeClr val="lt1"/>
+          </a:fillRef>
+          <a:effectRef idx="0">
+            <a:schemeClr val="dk1"/>
+          </a:effectRef>
+          <a:fontRef idx="minor">
+            <a:schemeClr val="dk1"/>
+          </a:fontRef>
+        </p:style>
+        <p:txBody>
+          <a:bodyPr wrap="square" rtlCol="0">
+            <a:spAutoFit/>
+          </a:bodyPr>
+          <a:lstStyle/>
+          <a:p>
+            <a:pPr algn="ctr"/>
+            <a:r>
+              <a:rPr lang="pt-BR" sz="2400" dirty="0" smtClean="0"/>
+              <a:t>Projetista não precisa se preocupar como </a:t>
+            </a:r>
+            <a:r>
+              <a:rPr lang="pt-BR" sz="2400" dirty="0" err="1" smtClean="0"/>
+              <a:t>bytecode</a:t>
+            </a:r>
+            <a:r>
+              <a:rPr lang="pt-BR" sz="2400" dirty="0" smtClean="0"/>
+              <a:t> (arquivo) é organizado</a:t>
+            </a:r>
+            <a:endParaRPr lang="pt-BR" sz="2400" dirty="0"/>
           </a:p>
         </p:txBody>
       </p:sp>
@@ -51261,8 +51280,8 @@
               <a:t>Aula </a:t>
             </a:r>
             <a:r>
-              <a:rPr lang="en-US" dirty="0" err="1" smtClean="0"/>
-              <a:t>prática</a:t>
+              <a:rPr lang="en-US" dirty="0" smtClean="0"/>
+              <a:t>prática—ilasm.exe</a:t>
             </a:r>
             <a:endParaRPr lang="en-US" dirty="0"/>
           </a:p>
@@ -51278,51 +51297,51 @@
             <p:ph idx="1"/>
           </p:nvPr>
         </p:nvSpPr>
-        <p:spPr/>
+        <p:spPr>
+          <a:xfrm>
+            <a:off x="457200" y="1600200"/>
+            <a:ext cx="8458200" cy="4525963"/>
+          </a:xfrm>
+        </p:spPr>
         <p:txBody>
           <a:bodyPr/>
           <a:lstStyle/>
           <a:p>
             <a:r>
               <a:rPr lang="pt-BR" dirty="0"/>
-              <a:t>Vamos </a:t>
-            </a:r>
+              <a:t>ilasm.exe é o </a:t>
+            </a:r>
+            <a:r>
+              <a:rPr lang="pt-BR" dirty="0" err="1"/>
+              <a:t>assembler</a:t>
+            </a:r>
+            <a:r>
+              <a:rPr lang="pt-BR" dirty="0"/>
+              <a:t> da Microsoft</a:t>
+            </a:r>
+          </a:p>
+          <a:p>
             <a:r>
               <a:rPr lang="pt-BR" dirty="0" smtClean="0"/>
-              <a:t>trabalhar com </a:t>
+              <a:t>Entrada</a:t>
             </a:r>
             <a:r>
               <a:rPr lang="pt-BR" dirty="0"/>
-              <a:t>ilasm.exe</a:t>
+              <a:t>: MSIL</a:t>
+            </a:r>
+          </a:p>
+          <a:p>
+            <a:r>
+              <a:rPr lang="pt-BR" dirty="0"/>
+              <a:t>Saída: código x86</a:t>
             </a:r>
           </a:p>
           <a:p>
             <a:pPr lvl="1"/>
             <a:r>
-              <a:rPr lang="pt-BR" dirty="0" smtClean="0"/>
-              <a:t>Assembler da Microsoft para MSIL</a:t>
-            </a:r>
-            <a:endParaRPr lang="pt-BR" dirty="0"/>
-          </a:p>
-          <a:p>
-            <a:pPr lvl="1"/>
-            <a:r>
               <a:rPr lang="pt-BR" dirty="0"/>
-              <a:t>Saída: código </a:t>
-            </a:r>
-            <a:r>
-              <a:rPr lang="pt-BR" dirty="0" smtClean="0"/>
-              <a:t>x86 (executável nas máquinas Windows do </a:t>
-            </a:r>
-            <a:r>
-              <a:rPr lang="pt-BR" dirty="0" err="1" smtClean="0"/>
-              <a:t>Lab</a:t>
-            </a:r>
-            <a:r>
-              <a:rPr lang="pt-BR" dirty="0" smtClean="0"/>
-              <a:t>)</a:t>
-            </a:r>
-            <a:endParaRPr lang="pt-BR" dirty="0"/>
+              <a:t>executável nas máquinas Windows do laboratório</a:t>
+            </a:r>
           </a:p>
           <a:p>
             <a:endParaRPr lang="en-US" dirty="0"/>
@@ -51578,7 +51597,7 @@
           </a:ln>
           <a:extLst>
             <a:ext uri="{C572A759-6A51-4108-AA02-DFA0A04FC94B}">
-              <ma14:wrappingTextBoxFlag xmlns:ma14="http://schemas.microsoft.com/office/mac/drawingml/2011/main" xmlns="" val="1"/>
+              <ma14:wrappingTextBoxFlag xmlns="" xmlns:ma14="http://schemas.microsoft.com/office/mac/drawingml/2011/main" val="1"/>
             </a:ext>
           </a:extLst>
         </p:spPr>
@@ -51778,7 +51797,7 @@
           </a:ln>
           <a:extLst>
             <a:ext uri="{C572A759-6A51-4108-AA02-DFA0A04FC94B}">
-              <ma14:wrappingTextBoxFlag xmlns:ma14="http://schemas.microsoft.com/office/mac/drawingml/2011/main" xmlns="" val="1"/>
+              <ma14:wrappingTextBoxFlag xmlns="" xmlns:ma14="http://schemas.microsoft.com/office/mac/drawingml/2011/main" val="1"/>
             </a:ext>
           </a:extLst>
         </p:spPr>

--- a/slides-aulas/ambiente-exec-e-geracao-codigo.pptx
+++ b/slides-aulas/ambiente-exec-e-geracao-codigo.pptx
@@ -255,7 +255,7 @@
           <a:p>
             <a:fld id="{7A07F658-AE08-4AEE-A57F-CB2B7F06D381}" type="datetimeFigureOut">
               <a:rPr lang="en-US" smtClean="0"/>
-              <a:t>11/13/2018</a:t>
+              <a:t>11/4/2019</a:t>
             </a:fld>
             <a:endParaRPr lang="en-US"/>
           </a:p>
@@ -1327,7 +1327,7 @@
           <a:p>
             <a:fld id="{9965D083-53B3-4835-AC18-05B6039641BC}" type="datetimeFigureOut">
               <a:rPr lang="en-US" smtClean="0"/>
-              <a:t>11/13/2018</a:t>
+              <a:t>11/4/2019</a:t>
             </a:fld>
             <a:endParaRPr lang="en-US"/>
           </a:p>
@@ -1497,7 +1497,7 @@
           <a:p>
             <a:fld id="{9965D083-53B3-4835-AC18-05B6039641BC}" type="datetimeFigureOut">
               <a:rPr lang="en-US" smtClean="0"/>
-              <a:t>11/13/2018</a:t>
+              <a:t>11/4/2019</a:t>
             </a:fld>
             <a:endParaRPr lang="en-US"/>
           </a:p>
@@ -1677,7 +1677,7 @@
           <a:p>
             <a:fld id="{9965D083-53B3-4835-AC18-05B6039641BC}" type="datetimeFigureOut">
               <a:rPr lang="en-US" smtClean="0"/>
-              <a:t>11/13/2018</a:t>
+              <a:t>11/4/2019</a:t>
             </a:fld>
             <a:endParaRPr lang="en-US"/>
           </a:p>
@@ -2173,7 +2173,7 @@
           <a:p>
             <a:fld id="{9965D083-53B3-4835-AC18-05B6039641BC}" type="datetimeFigureOut">
               <a:rPr lang="en-US" smtClean="0"/>
-              <a:t>11/13/2018</a:t>
+              <a:t>11/4/2019</a:t>
             </a:fld>
             <a:endParaRPr lang="en-US"/>
           </a:p>
@@ -2419,7 +2419,7 @@
           <a:p>
             <a:fld id="{9965D083-53B3-4835-AC18-05B6039641BC}" type="datetimeFigureOut">
               <a:rPr lang="en-US" smtClean="0"/>
-              <a:t>11/13/2018</a:t>
+              <a:t>11/4/2019</a:t>
             </a:fld>
             <a:endParaRPr lang="en-US"/>
           </a:p>
@@ -2707,7 +2707,7 @@
           <a:p>
             <a:fld id="{9965D083-53B3-4835-AC18-05B6039641BC}" type="datetimeFigureOut">
               <a:rPr lang="en-US" smtClean="0"/>
-              <a:t>11/13/2018</a:t>
+              <a:t>11/4/2019</a:t>
             </a:fld>
             <a:endParaRPr lang="en-US"/>
           </a:p>
@@ -3129,7 +3129,7 @@
           <a:p>
             <a:fld id="{9965D083-53B3-4835-AC18-05B6039641BC}" type="datetimeFigureOut">
               <a:rPr lang="en-US" smtClean="0"/>
-              <a:t>11/13/2018</a:t>
+              <a:t>11/4/2019</a:t>
             </a:fld>
             <a:endParaRPr lang="en-US"/>
           </a:p>
@@ -3247,7 +3247,7 @@
           <a:p>
             <a:fld id="{9965D083-53B3-4835-AC18-05B6039641BC}" type="datetimeFigureOut">
               <a:rPr lang="en-US" smtClean="0"/>
-              <a:t>11/13/2018</a:t>
+              <a:t>11/4/2019</a:t>
             </a:fld>
             <a:endParaRPr lang="en-US"/>
           </a:p>
@@ -3342,7 +3342,7 @@
           <a:p>
             <a:fld id="{9965D083-53B3-4835-AC18-05B6039641BC}" type="datetimeFigureOut">
               <a:rPr lang="en-US" smtClean="0"/>
-              <a:t>11/13/2018</a:t>
+              <a:t>11/4/2019</a:t>
             </a:fld>
             <a:endParaRPr lang="en-US"/>
           </a:p>
@@ -3619,7 +3619,7 @@
           <a:p>
             <a:fld id="{9965D083-53B3-4835-AC18-05B6039641BC}" type="datetimeFigureOut">
               <a:rPr lang="en-US" smtClean="0"/>
-              <a:t>11/13/2018</a:t>
+              <a:t>11/4/2019</a:t>
             </a:fld>
             <a:endParaRPr lang="en-US"/>
           </a:p>
@@ -3872,7 +3872,7 @@
           <a:p>
             <a:fld id="{9965D083-53B3-4835-AC18-05B6039641BC}" type="datetimeFigureOut">
               <a:rPr lang="en-US" smtClean="0"/>
-              <a:t>11/13/2018</a:t>
+              <a:t>11/4/2019</a:t>
             </a:fld>
             <a:endParaRPr lang="en-US"/>
           </a:p>
@@ -4085,7 +4085,7 @@
           <a:p>
             <a:fld id="{9965D083-53B3-4835-AC18-05B6039641BC}" type="datetimeFigureOut">
               <a:rPr lang="en-US" smtClean="0"/>
-              <a:t>11/13/2018</a:t>
+              <a:t>11/4/2019</a:t>
             </a:fld>
             <a:endParaRPr lang="en-US"/>
           </a:p>
@@ -47163,13 +47163,8 @@
           <a:p>
             <a:r>
               <a:rPr lang="pt-BR" dirty="0" smtClean="0"/>
-              <a:t>Assembler é usado para isolar programador de detalhes de </a:t>
-            </a:r>
-            <a:r>
-              <a:rPr lang="pt-BR" dirty="0" smtClean="0"/>
-              <a:t>implementação de arquitetura</a:t>
-            </a:r>
-            <a:endParaRPr lang="pt-BR" dirty="0" smtClean="0"/>
+              <a:t>Assembler é usado para isolar programador de detalhes de implementação de arquitetura</a:t>
+            </a:r>
           </a:p>
           <a:p>
             <a:r>
@@ -47402,11 +47397,7 @@
             </a:r>
             <a:r>
               <a:rPr lang="en-US" dirty="0" smtClean="0"/>
-              <a:t> </a:t>
-            </a:r>
-            <a:r>
-              <a:rPr lang="en-US" dirty="0" smtClean="0"/>
-              <a:t>Jasmin (para Java)</a:t>
+              <a:t> Jasmin (para Java)</a:t>
             </a:r>
             <a:endParaRPr lang="en-US" dirty="0"/>
           </a:p>
@@ -51277,11 +51268,7 @@
           <a:p>
             <a:r>
               <a:rPr lang="en-US" dirty="0" smtClean="0"/>
-              <a:t>Aula </a:t>
-            </a:r>
-            <a:r>
-              <a:rPr lang="en-US" dirty="0" smtClean="0"/>
-              <a:t>prática—ilasm.exe</a:t>
+              <a:t>Aula prática—ilasm.exe</a:t>
             </a:r>
             <a:endParaRPr lang="en-US" dirty="0"/>
           </a:p>
